--- a/lecturer/20150601.pptx
+++ b/lecturer/20150601.pptx
@@ -43,6 +43,7 @@
     <p:sldId id="291" r:id="rId37"/>
     <p:sldId id="292" r:id="rId38"/>
     <p:sldId id="293" r:id="rId39"/>
+    <p:sldId id="294" r:id="rId40"/>
   </p:sldIdLst>
   <p:sldSz cx="12192000" cy="6858000"/>
   <p:notesSz cx="6858000" cy="9144000"/>
@@ -13029,7 +13030,7 @@
         <p:spPr>
           <a:xfrm>
             <a:off x="283779" y="409903"/>
-            <a:ext cx="5570756" cy="3046988"/>
+            <a:ext cx="11880175" cy="6740307"/>
           </a:xfrm>
           <a:prstGeom prst="rect">
             <a:avLst/>
@@ -13183,6 +13184,130 @@
               </a:rPr>
               <a:t># ifconfig</a:t>
             </a:r>
+          </a:p>
+          <a:p>
+            <a:r>
+              <a:rPr lang="en-US" altLang="ko-KR" sz="2400" smtClean="0">
+                <a:latin typeface="나눔고딕코딩" panose="020D0009000000000000" pitchFamily="49" charset="-127"/>
+                <a:ea typeface="나눔고딕코딩" panose="020D0009000000000000" pitchFamily="49" charset="-127"/>
+              </a:rPr>
+              <a:t>(</a:t>
+            </a:r>
+            <a:r>
+              <a:rPr lang="ko-KR" altLang="en-US" sz="2400" smtClean="0">
+                <a:latin typeface="나눔고딕코딩" panose="020D0009000000000000" pitchFamily="49" charset="-127"/>
+                <a:ea typeface="나눔고딕코딩" panose="020D0009000000000000" pitchFamily="49" charset="-127"/>
+              </a:rPr>
+              <a:t>중략</a:t>
+            </a:r>
+            <a:r>
+              <a:rPr lang="en-US" altLang="ko-KR" sz="2400" smtClean="0">
+                <a:latin typeface="나눔고딕코딩" panose="020D0009000000000000" pitchFamily="49" charset="-127"/>
+                <a:ea typeface="나눔고딕코딩" panose="020D0009000000000000" pitchFamily="49" charset="-127"/>
+              </a:rPr>
+              <a:t>)</a:t>
+            </a:r>
+          </a:p>
+          <a:p>
+            <a:r>
+              <a:rPr lang="en-US" altLang="ko-KR" sz="2400">
+                <a:solidFill>
+                  <a:srgbClr val="FF0000"/>
+                </a:solidFill>
+                <a:latin typeface="나눔고딕코딩" panose="020D0009000000000000" pitchFamily="49" charset="-127"/>
+                <a:ea typeface="나눔고딕코딩" panose="020D0009000000000000" pitchFamily="49" charset="-127"/>
+              </a:rPr>
+              <a:t>eth1</a:t>
+            </a:r>
+            <a:r>
+              <a:rPr lang="en-US" altLang="ko-KR" sz="2400">
+                <a:latin typeface="나눔고딕코딩" panose="020D0009000000000000" pitchFamily="49" charset="-127"/>
+                <a:ea typeface="나눔고딕코딩" panose="020D0009000000000000" pitchFamily="49" charset="-127"/>
+              </a:rPr>
+              <a:t>      Link encap:Ethernet  HWaddr 08:00:27:08:04:77</a:t>
+            </a:r>
+          </a:p>
+          <a:p>
+            <a:r>
+              <a:rPr lang="en-US" altLang="ko-KR" sz="2400">
+                <a:latin typeface="나눔고딕코딩" panose="020D0009000000000000" pitchFamily="49" charset="-127"/>
+                <a:ea typeface="나눔고딕코딩" panose="020D0009000000000000" pitchFamily="49" charset="-127"/>
+              </a:rPr>
+              <a:t>          inet addr:</a:t>
+            </a:r>
+            <a:r>
+              <a:rPr lang="en-US" altLang="ko-KR" sz="2400">
+                <a:solidFill>
+                  <a:srgbClr val="FF0000"/>
+                </a:solidFill>
+                <a:latin typeface="나눔고딕코딩" panose="020D0009000000000000" pitchFamily="49" charset="-127"/>
+                <a:ea typeface="나눔고딕코딩" panose="020D0009000000000000" pitchFamily="49" charset="-127"/>
+              </a:rPr>
+              <a:t>192.168.56.101</a:t>
+            </a:r>
+            <a:r>
+              <a:rPr lang="en-US" altLang="ko-KR" sz="2400">
+                <a:latin typeface="나눔고딕코딩" panose="020D0009000000000000" pitchFamily="49" charset="-127"/>
+                <a:ea typeface="나눔고딕코딩" panose="020D0009000000000000" pitchFamily="49" charset="-127"/>
+              </a:rPr>
+              <a:t>  Bcast:192.168.56.255  Mask:255.255.255.0</a:t>
+            </a:r>
+          </a:p>
+          <a:p>
+            <a:r>
+              <a:rPr lang="en-US" altLang="ko-KR" sz="2400">
+                <a:latin typeface="나눔고딕코딩" panose="020D0009000000000000" pitchFamily="49" charset="-127"/>
+                <a:ea typeface="나눔고딕코딩" panose="020D0009000000000000" pitchFamily="49" charset="-127"/>
+              </a:rPr>
+              <a:t>          inet6 addr: fe80::a00:27ff:fe08:477/64 Scope:Link</a:t>
+            </a:r>
+          </a:p>
+          <a:p>
+            <a:r>
+              <a:rPr lang="en-US" altLang="ko-KR" sz="2400">
+                <a:latin typeface="나눔고딕코딩" panose="020D0009000000000000" pitchFamily="49" charset="-127"/>
+                <a:ea typeface="나눔고딕코딩" panose="020D0009000000000000" pitchFamily="49" charset="-127"/>
+              </a:rPr>
+              <a:t>          UP BROADCAST RUNNING MULTICAST  MTU:1500  Metric:1</a:t>
+            </a:r>
+          </a:p>
+          <a:p>
+            <a:r>
+              <a:rPr lang="en-US" altLang="ko-KR" sz="2400">
+                <a:latin typeface="나눔고딕코딩" panose="020D0009000000000000" pitchFamily="49" charset="-127"/>
+                <a:ea typeface="나눔고딕코딩" panose="020D0009000000000000" pitchFamily="49" charset="-127"/>
+              </a:rPr>
+              <a:t>          RX packets:16995 errors:0 dropped:0 overruns:0 frame:0</a:t>
+            </a:r>
+          </a:p>
+          <a:p>
+            <a:r>
+              <a:rPr lang="en-US" altLang="ko-KR" sz="2400">
+                <a:latin typeface="나눔고딕코딩" panose="020D0009000000000000" pitchFamily="49" charset="-127"/>
+                <a:ea typeface="나눔고딕코딩" panose="020D0009000000000000" pitchFamily="49" charset="-127"/>
+              </a:rPr>
+              <a:t>          TX packets:16528 errors:0 dropped:0 overruns:0 carrier:0</a:t>
+            </a:r>
+          </a:p>
+          <a:p>
+            <a:r>
+              <a:rPr lang="en-US" altLang="ko-KR" sz="2400">
+                <a:latin typeface="나눔고딕코딩" panose="020D0009000000000000" pitchFamily="49" charset="-127"/>
+                <a:ea typeface="나눔고딕코딩" panose="020D0009000000000000" pitchFamily="49" charset="-127"/>
+              </a:rPr>
+              <a:t>          collisions:0 txqueuelen:1000</a:t>
+            </a:r>
+          </a:p>
+          <a:p>
+            <a:r>
+              <a:rPr lang="en-US" altLang="ko-KR" sz="2400">
+                <a:latin typeface="나눔고딕코딩" panose="020D0009000000000000" pitchFamily="49" charset="-127"/>
+                <a:ea typeface="나눔고딕코딩" panose="020D0009000000000000" pitchFamily="49" charset="-127"/>
+              </a:rPr>
+              <a:t>          RX bytes:1515807 (1.5 MB)  TX bytes:2593622 (2.5 MB)</a:t>
+            </a:r>
+          </a:p>
+          <a:p>
             <a:endParaRPr lang="en-US" altLang="ko-KR" sz="2400">
               <a:latin typeface="나눔고딕코딩" panose="020D0009000000000000" pitchFamily="49" charset="-127"/>
               <a:ea typeface="나눔고딕코딩" panose="020D0009000000000000" pitchFamily="49" charset="-127"/>
@@ -13194,6 +13319,573 @@
     <p:extLst>
       <p:ext uri="{BB962C8B-B14F-4D97-AF65-F5344CB8AC3E}">
         <p14:creationId xmlns:p14="http://schemas.microsoft.com/office/powerpoint/2010/main" val="546613203"/>
+      </p:ext>
+    </p:extLst>
+  </p:cSld>
+  <p:clrMapOvr>
+    <a:masterClrMapping/>
+  </p:clrMapOvr>
+</p:sld>
+</file>
+
+<file path=ppt/slides/slide39.xml><?xml version="1.0" encoding="utf-8"?>
+<p:sld xmlns:a="http://schemas.openxmlformats.org/drawingml/2006/main" xmlns:r="http://schemas.openxmlformats.org/officeDocument/2006/relationships" xmlns:p="http://schemas.openxmlformats.org/presentationml/2006/main">
+  <p:cSld>
+    <p:spTree>
+      <p:nvGrpSpPr>
+        <p:cNvPr id="1" name=""/>
+        <p:cNvGrpSpPr/>
+        <p:nvPr/>
+      </p:nvGrpSpPr>
+      <p:grpSpPr>
+        <a:xfrm>
+          <a:off x="0" y="0"/>
+          <a:ext cx="0" cy="0"/>
+          <a:chOff x="0" y="0"/>
+          <a:chExt cx="0" cy="0"/>
+        </a:xfrm>
+      </p:grpSpPr>
+      <p:sp>
+        <p:nvSpPr>
+          <p:cNvPr id="4" name="TextBox 3"/>
+          <p:cNvSpPr txBox="1"/>
+          <p:nvPr/>
+        </p:nvSpPr>
+        <p:spPr>
+          <a:xfrm>
+            <a:off x="283779" y="409903"/>
+            <a:ext cx="9110186" cy="1569660"/>
+          </a:xfrm>
+          <a:prstGeom prst="rect">
+            <a:avLst/>
+          </a:prstGeom>
+          <a:noFill/>
+        </p:spPr>
+        <p:txBody>
+          <a:bodyPr wrap="none" rtlCol="0">
+            <a:spAutoFit/>
+          </a:bodyPr>
+          <a:lstStyle/>
+          <a:p>
+            <a:r>
+              <a:rPr lang="en-US" altLang="ko-KR" sz="2400" smtClean="0">
+                <a:latin typeface="나눔고딕코딩" panose="020D0009000000000000" pitchFamily="49" charset="-127"/>
+                <a:ea typeface="나눔고딕코딩" panose="020D0009000000000000" pitchFamily="49" charset="-127"/>
+              </a:rPr>
+              <a:t>&lt; </a:t>
+            </a:r>
+            <a:r>
+              <a:rPr lang="ko-KR" altLang="en-US" sz="2400" smtClean="0">
+                <a:latin typeface="나눔고딕코딩" panose="020D0009000000000000" pitchFamily="49" charset="-127"/>
+                <a:ea typeface="나눔고딕코딩" panose="020D0009000000000000" pitchFamily="49" charset="-127"/>
+              </a:rPr>
+              <a:t>우분투 </a:t>
+            </a:r>
+            <a:r>
+              <a:rPr lang="en-US" altLang="ko-KR" sz="2400" smtClean="0">
+                <a:latin typeface="나눔고딕코딩" panose="020D0009000000000000" pitchFamily="49" charset="-127"/>
+                <a:ea typeface="나눔고딕코딩" panose="020D0009000000000000" pitchFamily="49" charset="-127"/>
+              </a:rPr>
+              <a:t>FTP </a:t>
+            </a:r>
+            <a:r>
+              <a:rPr lang="ko-KR" altLang="en-US" sz="2400" smtClean="0">
+                <a:latin typeface="나눔고딕코딩" panose="020D0009000000000000" pitchFamily="49" charset="-127"/>
+                <a:ea typeface="나눔고딕코딩" panose="020D0009000000000000" pitchFamily="49" charset="-127"/>
+              </a:rPr>
+              <a:t>서버 설정 방법 </a:t>
+            </a:r>
+            <a:r>
+              <a:rPr lang="en-US" altLang="ko-KR" sz="2400" smtClean="0">
+                <a:latin typeface="나눔고딕코딩" panose="020D0009000000000000" pitchFamily="49" charset="-127"/>
+                <a:ea typeface="나눔고딕코딩" panose="020D0009000000000000" pitchFamily="49" charset="-127"/>
+              </a:rPr>
+              <a:t>&gt;</a:t>
+            </a:r>
+          </a:p>
+          <a:p>
+            <a:endParaRPr lang="en-US" altLang="ko-KR" sz="2400" smtClean="0">
+              <a:latin typeface="나눔고딕코딩" panose="020D0009000000000000" pitchFamily="49" charset="-127"/>
+              <a:ea typeface="나눔고딕코딩" panose="020D0009000000000000" pitchFamily="49" charset="-127"/>
+            </a:endParaRPr>
+          </a:p>
+          <a:p>
+            <a:r>
+              <a:rPr lang="en-US" altLang="ko-KR" sz="2400" smtClean="0">
+                <a:latin typeface="나눔고딕코딩" panose="020D0009000000000000" pitchFamily="49" charset="-127"/>
+                <a:ea typeface="나눔고딕코딩" panose="020D0009000000000000" pitchFamily="49" charset="-127"/>
+              </a:rPr>
+              <a:t>5. </a:t>
+            </a:r>
+            <a:r>
+              <a:rPr lang="ko-KR" altLang="en-US" sz="2400" smtClean="0">
+                <a:latin typeface="나눔고딕코딩" panose="020D0009000000000000" pitchFamily="49" charset="-127"/>
+                <a:ea typeface="나눔고딕코딩" panose="020D0009000000000000" pitchFamily="49" charset="-127"/>
+              </a:rPr>
+              <a:t>파일질라 클라이언트 프로그램으로 실행 후</a:t>
+            </a:r>
+            <a:r>
+              <a:rPr lang="en-US" altLang="ko-KR" sz="2400" smtClean="0">
+                <a:latin typeface="나눔고딕코딩" panose="020D0009000000000000" pitchFamily="49" charset="-127"/>
+                <a:ea typeface="나눔고딕코딩" panose="020D0009000000000000" pitchFamily="49" charset="-127"/>
+              </a:rPr>
+              <a:t>, CTRL + S </a:t>
+            </a:r>
+            <a:r>
+              <a:rPr lang="ko-KR" altLang="en-US" sz="2400" smtClean="0">
+                <a:latin typeface="나눔고딕코딩" panose="020D0009000000000000" pitchFamily="49" charset="-127"/>
+                <a:ea typeface="나눔고딕코딩" panose="020D0009000000000000" pitchFamily="49" charset="-127"/>
+              </a:rPr>
+              <a:t>입력</a:t>
+            </a:r>
+            <a:endParaRPr lang="en-US" altLang="ko-KR" sz="2400" smtClean="0">
+              <a:latin typeface="나눔고딕코딩" panose="020D0009000000000000" pitchFamily="49" charset="-127"/>
+              <a:ea typeface="나눔고딕코딩" panose="020D0009000000000000" pitchFamily="49" charset="-127"/>
+            </a:endParaRPr>
+          </a:p>
+          <a:p>
+            <a:endParaRPr lang="en-US" altLang="ko-KR" sz="2400" smtClean="0">
+              <a:latin typeface="나눔고딕코딩" panose="020D0009000000000000" pitchFamily="49" charset="-127"/>
+              <a:ea typeface="나눔고딕코딩" panose="020D0009000000000000" pitchFamily="49" charset="-127"/>
+            </a:endParaRPr>
+          </a:p>
+        </p:txBody>
+      </p:sp>
+      <p:pic>
+        <p:nvPicPr>
+          <p:cNvPr id="3" name="그림 2"/>
+          <p:cNvPicPr>
+            <a:picLocks noChangeAspect="1"/>
+          </p:cNvPicPr>
+          <p:nvPr/>
+        </p:nvPicPr>
+        <p:blipFill>
+          <a:blip r:embed="rId2"/>
+          <a:stretch>
+            <a:fillRect/>
+          </a:stretch>
+        </p:blipFill>
+        <p:spPr>
+          <a:xfrm>
+            <a:off x="1439917" y="1805808"/>
+            <a:ext cx="7315199" cy="5841999"/>
+          </a:xfrm>
+          <a:prstGeom prst="rect">
+            <a:avLst/>
+          </a:prstGeom>
+        </p:spPr>
+      </p:pic>
+      <p:sp>
+        <p:nvSpPr>
+          <p:cNvPr id="5" name="직사각형 4"/>
+          <p:cNvSpPr/>
+          <p:nvPr/>
+        </p:nvSpPr>
+        <p:spPr>
+          <a:xfrm>
+            <a:off x="6159062" y="7109329"/>
+            <a:ext cx="1250732" cy="364244"/>
+          </a:xfrm>
+          <a:prstGeom prst="rect">
+            <a:avLst/>
+          </a:prstGeom>
+          <a:noFill/>
+          <a:ln w="38100">
+            <a:solidFill>
+              <a:srgbClr val="FF0000"/>
+            </a:solidFill>
+          </a:ln>
+        </p:spPr>
+        <p:style>
+          <a:lnRef idx="2">
+            <a:schemeClr val="accent1">
+              <a:shade val="50000"/>
+            </a:schemeClr>
+          </a:lnRef>
+          <a:fillRef idx="1">
+            <a:schemeClr val="accent1"/>
+          </a:fillRef>
+          <a:effectRef idx="0">
+            <a:schemeClr val="accent1"/>
+          </a:effectRef>
+          <a:fontRef idx="minor">
+            <a:schemeClr val="lt1"/>
+          </a:fontRef>
+        </p:style>
+        <p:txBody>
+          <a:bodyPr rtlCol="0" anchor="ctr"/>
+          <a:lstStyle/>
+          <a:p>
+            <a:pPr algn="ctr"/>
+            <a:endParaRPr lang="ko-KR" altLang="en-US" sz="2000">
+              <a:solidFill>
+                <a:schemeClr val="tx1"/>
+              </a:solidFill>
+              <a:latin typeface="나눔고딕코딩" panose="020D0009000000000000" pitchFamily="49" charset="-127"/>
+              <a:ea typeface="나눔고딕코딩" panose="020D0009000000000000" pitchFamily="49" charset="-127"/>
+            </a:endParaRPr>
+          </a:p>
+        </p:txBody>
+      </p:sp>
+      <p:sp>
+        <p:nvSpPr>
+          <p:cNvPr id="6" name="직사각형 5"/>
+          <p:cNvSpPr/>
+          <p:nvPr/>
+        </p:nvSpPr>
+        <p:spPr>
+          <a:xfrm>
+            <a:off x="1439918" y="5731756"/>
+            <a:ext cx="1524000" cy="364244"/>
+          </a:xfrm>
+          <a:prstGeom prst="rect">
+            <a:avLst/>
+          </a:prstGeom>
+          <a:noFill/>
+          <a:ln w="38100">
+            <a:solidFill>
+              <a:srgbClr val="FF0000"/>
+            </a:solidFill>
+          </a:ln>
+        </p:spPr>
+        <p:style>
+          <a:lnRef idx="2">
+            <a:schemeClr val="accent1">
+              <a:shade val="50000"/>
+            </a:schemeClr>
+          </a:lnRef>
+          <a:fillRef idx="1">
+            <a:schemeClr val="accent1"/>
+          </a:fillRef>
+          <a:effectRef idx="0">
+            <a:schemeClr val="accent1"/>
+          </a:effectRef>
+          <a:fontRef idx="minor">
+            <a:schemeClr val="lt1"/>
+          </a:fontRef>
+        </p:style>
+        <p:txBody>
+          <a:bodyPr rtlCol="0" anchor="ctr"/>
+          <a:lstStyle/>
+          <a:p>
+            <a:pPr algn="ctr"/>
+            <a:endParaRPr lang="ko-KR" altLang="en-US" sz="2000">
+              <a:solidFill>
+                <a:schemeClr val="tx1"/>
+              </a:solidFill>
+              <a:latin typeface="나눔고딕코딩" panose="020D0009000000000000" pitchFamily="49" charset="-127"/>
+              <a:ea typeface="나눔고딕코딩" panose="020D0009000000000000" pitchFamily="49" charset="-127"/>
+            </a:endParaRPr>
+          </a:p>
+        </p:txBody>
+      </p:sp>
+      <p:sp>
+        <p:nvSpPr>
+          <p:cNvPr id="7" name="직사각형 6"/>
+          <p:cNvSpPr/>
+          <p:nvPr/>
+        </p:nvSpPr>
+        <p:spPr>
+          <a:xfrm>
+            <a:off x="5538953" y="2631204"/>
+            <a:ext cx="1524000" cy="364244"/>
+          </a:xfrm>
+          <a:prstGeom prst="rect">
+            <a:avLst/>
+          </a:prstGeom>
+          <a:noFill/>
+          <a:ln w="38100">
+            <a:solidFill>
+              <a:srgbClr val="FF0000"/>
+            </a:solidFill>
+          </a:ln>
+        </p:spPr>
+        <p:style>
+          <a:lnRef idx="2">
+            <a:schemeClr val="accent1">
+              <a:shade val="50000"/>
+            </a:schemeClr>
+          </a:lnRef>
+          <a:fillRef idx="1">
+            <a:schemeClr val="accent1"/>
+          </a:fillRef>
+          <a:effectRef idx="0">
+            <a:schemeClr val="accent1"/>
+          </a:effectRef>
+          <a:fontRef idx="minor">
+            <a:schemeClr val="lt1"/>
+          </a:fontRef>
+        </p:style>
+        <p:txBody>
+          <a:bodyPr rtlCol="0" anchor="ctr"/>
+          <a:lstStyle/>
+          <a:p>
+            <a:pPr algn="ctr"/>
+            <a:endParaRPr lang="ko-KR" altLang="en-US" sz="2000">
+              <a:solidFill>
+                <a:schemeClr val="tx1"/>
+              </a:solidFill>
+              <a:latin typeface="나눔고딕코딩" panose="020D0009000000000000" pitchFamily="49" charset="-127"/>
+              <a:ea typeface="나눔고딕코딩" panose="020D0009000000000000" pitchFamily="49" charset="-127"/>
+            </a:endParaRPr>
+          </a:p>
+        </p:txBody>
+      </p:sp>
+      <p:sp>
+        <p:nvSpPr>
+          <p:cNvPr id="8" name="직사각형 7"/>
+          <p:cNvSpPr/>
+          <p:nvPr/>
+        </p:nvSpPr>
+        <p:spPr>
+          <a:xfrm>
+            <a:off x="5538952" y="3011224"/>
+            <a:ext cx="2932385" cy="364244"/>
+          </a:xfrm>
+          <a:prstGeom prst="rect">
+            <a:avLst/>
+          </a:prstGeom>
+          <a:noFill/>
+          <a:ln w="38100">
+            <a:solidFill>
+              <a:srgbClr val="FF0000"/>
+            </a:solidFill>
+          </a:ln>
+        </p:spPr>
+        <p:style>
+          <a:lnRef idx="2">
+            <a:schemeClr val="accent1">
+              <a:shade val="50000"/>
+            </a:schemeClr>
+          </a:lnRef>
+          <a:fillRef idx="1">
+            <a:schemeClr val="accent1"/>
+          </a:fillRef>
+          <a:effectRef idx="0">
+            <a:schemeClr val="accent1"/>
+          </a:effectRef>
+          <a:fontRef idx="minor">
+            <a:schemeClr val="lt1"/>
+          </a:fontRef>
+        </p:style>
+        <p:txBody>
+          <a:bodyPr rtlCol="0" anchor="ctr"/>
+          <a:lstStyle/>
+          <a:p>
+            <a:pPr algn="ctr"/>
+            <a:endParaRPr lang="ko-KR" altLang="en-US" sz="2000">
+              <a:solidFill>
+                <a:schemeClr val="tx1"/>
+              </a:solidFill>
+              <a:latin typeface="나눔고딕코딩" panose="020D0009000000000000" pitchFamily="49" charset="-127"/>
+              <a:ea typeface="나눔고딕코딩" panose="020D0009000000000000" pitchFamily="49" charset="-127"/>
+            </a:endParaRPr>
+          </a:p>
+        </p:txBody>
+      </p:sp>
+      <p:sp>
+        <p:nvSpPr>
+          <p:cNvPr id="11" name="직사각형 10"/>
+          <p:cNvSpPr/>
+          <p:nvPr/>
+        </p:nvSpPr>
+        <p:spPr>
+          <a:xfrm>
+            <a:off x="5538951" y="3933610"/>
+            <a:ext cx="2932385" cy="364244"/>
+          </a:xfrm>
+          <a:prstGeom prst="rect">
+            <a:avLst/>
+          </a:prstGeom>
+          <a:noFill/>
+          <a:ln w="38100">
+            <a:solidFill>
+              <a:srgbClr val="FF0000"/>
+            </a:solidFill>
+          </a:ln>
+        </p:spPr>
+        <p:style>
+          <a:lnRef idx="2">
+            <a:schemeClr val="accent1">
+              <a:shade val="50000"/>
+            </a:schemeClr>
+          </a:lnRef>
+          <a:fillRef idx="1">
+            <a:schemeClr val="accent1"/>
+          </a:fillRef>
+          <a:effectRef idx="0">
+            <a:schemeClr val="accent1"/>
+          </a:effectRef>
+          <a:fontRef idx="minor">
+            <a:schemeClr val="lt1"/>
+          </a:fontRef>
+        </p:style>
+        <p:txBody>
+          <a:bodyPr rtlCol="0" anchor="ctr"/>
+          <a:lstStyle/>
+          <a:p>
+            <a:pPr algn="ctr"/>
+            <a:endParaRPr lang="ko-KR" altLang="en-US" sz="2000">
+              <a:solidFill>
+                <a:schemeClr val="tx1"/>
+              </a:solidFill>
+              <a:latin typeface="나눔고딕코딩" panose="020D0009000000000000" pitchFamily="49" charset="-127"/>
+              <a:ea typeface="나눔고딕코딩" panose="020D0009000000000000" pitchFamily="49" charset="-127"/>
+            </a:endParaRPr>
+          </a:p>
+        </p:txBody>
+      </p:sp>
+      <p:sp>
+        <p:nvSpPr>
+          <p:cNvPr id="14" name="직사각형 13"/>
+          <p:cNvSpPr/>
+          <p:nvPr/>
+        </p:nvSpPr>
+        <p:spPr>
+          <a:xfrm>
+            <a:off x="5538951" y="4276952"/>
+            <a:ext cx="2932385" cy="364244"/>
+          </a:xfrm>
+          <a:prstGeom prst="rect">
+            <a:avLst/>
+          </a:prstGeom>
+          <a:noFill/>
+          <a:ln w="38100">
+            <a:solidFill>
+              <a:srgbClr val="FF0000"/>
+            </a:solidFill>
+          </a:ln>
+        </p:spPr>
+        <p:style>
+          <a:lnRef idx="2">
+            <a:schemeClr val="accent1">
+              <a:shade val="50000"/>
+            </a:schemeClr>
+          </a:lnRef>
+          <a:fillRef idx="1">
+            <a:schemeClr val="accent1"/>
+          </a:fillRef>
+          <a:effectRef idx="0">
+            <a:schemeClr val="accent1"/>
+          </a:effectRef>
+          <a:fontRef idx="minor">
+            <a:schemeClr val="lt1"/>
+          </a:fontRef>
+        </p:style>
+        <p:txBody>
+          <a:bodyPr rtlCol="0" anchor="ctr"/>
+          <a:lstStyle/>
+          <a:p>
+            <a:pPr algn="ctr"/>
+            <a:endParaRPr lang="ko-KR" altLang="en-US" sz="2000">
+              <a:solidFill>
+                <a:schemeClr val="tx1"/>
+              </a:solidFill>
+              <a:latin typeface="나눔고딕코딩" panose="020D0009000000000000" pitchFamily="49" charset="-127"/>
+              <a:ea typeface="나눔고딕코딩" panose="020D0009000000000000" pitchFamily="49" charset="-127"/>
+            </a:endParaRPr>
+          </a:p>
+        </p:txBody>
+      </p:sp>
+      <p:sp>
+        <p:nvSpPr>
+          <p:cNvPr id="15" name="직사각형 14"/>
+          <p:cNvSpPr/>
+          <p:nvPr/>
+        </p:nvSpPr>
+        <p:spPr>
+          <a:xfrm>
+            <a:off x="5538950" y="4673874"/>
+            <a:ext cx="2932385" cy="364244"/>
+          </a:xfrm>
+          <a:prstGeom prst="rect">
+            <a:avLst/>
+          </a:prstGeom>
+          <a:noFill/>
+          <a:ln w="38100">
+            <a:solidFill>
+              <a:srgbClr val="FF0000"/>
+            </a:solidFill>
+          </a:ln>
+        </p:spPr>
+        <p:style>
+          <a:lnRef idx="2">
+            <a:schemeClr val="accent1">
+              <a:shade val="50000"/>
+            </a:schemeClr>
+          </a:lnRef>
+          <a:fillRef idx="1">
+            <a:schemeClr val="accent1"/>
+          </a:fillRef>
+          <a:effectRef idx="0">
+            <a:schemeClr val="accent1"/>
+          </a:effectRef>
+          <a:fontRef idx="minor">
+            <a:schemeClr val="lt1"/>
+          </a:fontRef>
+        </p:style>
+        <p:txBody>
+          <a:bodyPr rtlCol="0" anchor="ctr"/>
+          <a:lstStyle/>
+          <a:p>
+            <a:pPr algn="ctr"/>
+            <a:endParaRPr lang="ko-KR" altLang="en-US" sz="2000">
+              <a:solidFill>
+                <a:schemeClr val="tx1"/>
+              </a:solidFill>
+              <a:latin typeface="나눔고딕코딩" panose="020D0009000000000000" pitchFamily="49" charset="-127"/>
+              <a:ea typeface="나눔고딕코딩" panose="020D0009000000000000" pitchFamily="49" charset="-127"/>
+            </a:endParaRPr>
+          </a:p>
+        </p:txBody>
+      </p:sp>
+      <p:sp>
+        <p:nvSpPr>
+          <p:cNvPr id="16" name="TextBox 15"/>
+          <p:cNvSpPr txBox="1"/>
+          <p:nvPr/>
+        </p:nvSpPr>
+        <p:spPr>
+          <a:xfrm>
+            <a:off x="8755116" y="4641196"/>
+            <a:ext cx="2031325" cy="461665"/>
+          </a:xfrm>
+          <a:prstGeom prst="rect">
+            <a:avLst/>
+          </a:prstGeom>
+          <a:noFill/>
+        </p:spPr>
+        <p:txBody>
+          <a:bodyPr wrap="none" rtlCol="0">
+            <a:spAutoFit/>
+          </a:bodyPr>
+          <a:lstStyle/>
+          <a:p>
+            <a:r>
+              <a:rPr lang="ko-KR" altLang="en-US" sz="2400" smtClean="0">
+                <a:latin typeface="나눔고딕코딩" panose="020D0009000000000000" pitchFamily="49" charset="-127"/>
+                <a:ea typeface="나눔고딕코딩" panose="020D0009000000000000" pitchFamily="49" charset="-127"/>
+              </a:rPr>
+              <a:t>비번은 </a:t>
+            </a:r>
+            <a:r>
+              <a:rPr lang="en-US" altLang="ko-KR" sz="2400" smtClean="0">
+                <a:latin typeface="나눔고딕코딩" panose="020D0009000000000000" pitchFamily="49" charset="-127"/>
+                <a:ea typeface="나눔고딕코딩" panose="020D0009000000000000" pitchFamily="49" charset="-127"/>
+              </a:rPr>
+              <a:t>linux</a:t>
+            </a:r>
+            <a:endParaRPr lang="ko-KR" altLang="en-US" sz="2400" dirty="0" smtClean="0">
+              <a:latin typeface="나눔고딕코딩" panose="020D0009000000000000" pitchFamily="49" charset="-127"/>
+              <a:ea typeface="나눔고딕코딩" panose="020D0009000000000000" pitchFamily="49" charset="-127"/>
+            </a:endParaRPr>
+          </a:p>
+        </p:txBody>
+      </p:sp>
+    </p:spTree>
+    <p:extLst>
+      <p:ext uri="{BB962C8B-B14F-4D97-AF65-F5344CB8AC3E}">
+        <p14:creationId xmlns:p14="http://schemas.microsoft.com/office/powerpoint/2010/main" val="1675821075"/>
       </p:ext>
     </p:extLst>
   </p:cSld>
